--- a/Text/02.화면설계도/3th_Project화면설계도(인영11.07).pptx
+++ b/Text/02.화면설계도/3th_Project화면설계도(인영11.07).pptx
@@ -2,7 +2,7 @@
 <file path=ppt/presentation.xml><?xml version="1.0" encoding="utf-8"?>
 <p:presentation xmlns:r="http://schemas.openxmlformats.org/officeDocument/2006/relationships" xmlns:c="http://schemas.openxmlformats.org/drawingml/2006/chart" xmlns:a="http://schemas.openxmlformats.org/drawingml/2006/main" xmlns:dgm="http://schemas.openxmlformats.org/drawingml/2006/diagram" xmlns:dsp="http://schemas.microsoft.com/office/drawing/2008/diagram" xmlns:p="http://schemas.openxmlformats.org/presentationml/2006/main">
   <p:sldMasterIdLst>
-    <p:sldMasterId id="2147483771" r:id="rId1"/>
+    <p:sldMasterId id="2147483757" r:id="rId1"/>
   </p:sldMasterIdLst>
   <p:notesMasterIdLst>
     <p:notesMasterId r:id="rId2"/>
@@ -215,7 +215,7 @@
               <a:pPr lvl="0">
                 <a:defRPr/>
               </a:pPr>
-              <a:t>2019-11-07</a:t>
+              <a:t>2019-11-10</a:t>
             </a:fld>
             <a:endParaRPr lang="ko-KR" altLang="en-US"/>
           </a:p>
@@ -401,7 +401,7 @@
               <a:pPr lvl="0">
                 <a:defRPr/>
               </a:pPr>
-              <a:t>2019-11-07</a:t>
+              <a:t>2019-11-10</a:t>
             </a:fld>
             <a:endParaRPr lang="ko-KR" altLang="en-US"/>
           </a:p>
@@ -851,10 +851,10 @@
               <a:defRPr/>
             </a:pPr>
             <a:r>
-              <a:rPr lang="ko-KR" altLang="en-US"/>
+              <a:rPr lang="en-US" altLang="ko-KR"/>
               <a:t/>
             </a:r>
-            <a:endParaRPr lang="ko-KR" altLang="en-US"/>
+            <a:endParaRPr lang="en-US" altLang="ko-KR"/>
           </a:p>
         </p:txBody>
       </p:sp>
@@ -1093,10 +1093,10 @@
               <a:defRPr/>
             </a:pPr>
             <a:r>
-              <a:rPr lang="ko-KR" altLang="en-US"/>
+              <a:rPr lang="en-US" altLang="ko-KR"/>
               <a:t/>
             </a:r>
-            <a:endParaRPr lang="ko-KR" altLang="en-US"/>
+            <a:endParaRPr lang="en-US" altLang="ko-KR"/>
           </a:p>
         </p:txBody>
       </p:sp>
@@ -1335,10 +1335,10 @@
               <a:defRPr/>
             </a:pPr>
             <a:r>
-              <a:rPr lang="ko-KR" altLang="en-US"/>
+              <a:rPr lang="en-US" altLang="ko-KR"/>
               <a:t/>
             </a:r>
-            <a:endParaRPr lang="ko-KR" altLang="en-US"/>
+            <a:endParaRPr lang="en-US" altLang="ko-KR"/>
           </a:p>
         </p:txBody>
       </p:sp>
@@ -1577,10 +1577,10 @@
               <a:defRPr/>
             </a:pPr>
             <a:r>
-              <a:rPr lang="ko-KR" altLang="en-US"/>
+              <a:rPr lang="en-US" altLang="ko-KR"/>
               <a:t/>
             </a:r>
-            <a:endParaRPr lang="ko-KR" altLang="en-US"/>
+            <a:endParaRPr lang="en-US" altLang="ko-KR"/>
           </a:p>
         </p:txBody>
       </p:sp>
@@ -1819,10 +1819,10 @@
               <a:defRPr/>
             </a:pPr>
             <a:r>
-              <a:rPr lang="ko-KR" altLang="en-US"/>
+              <a:rPr lang="en-US" altLang="ko-KR"/>
               <a:t/>
             </a:r>
-            <a:endParaRPr lang="ko-KR" altLang="en-US"/>
+            <a:endParaRPr lang="en-US" altLang="ko-KR"/>
           </a:p>
         </p:txBody>
       </p:sp>
@@ -2061,10 +2061,10 @@
               <a:defRPr/>
             </a:pPr>
             <a:r>
-              <a:rPr lang="ko-KR" altLang="en-US"/>
+              <a:rPr lang="en-US" altLang="ko-KR"/>
               <a:t/>
             </a:r>
-            <a:endParaRPr lang="ko-KR" altLang="en-US"/>
+            <a:endParaRPr lang="en-US" altLang="ko-KR"/>
           </a:p>
         </p:txBody>
       </p:sp>
@@ -2303,10 +2303,10 @@
               <a:defRPr/>
             </a:pPr>
             <a:r>
-              <a:rPr lang="ko-KR" altLang="en-US"/>
+              <a:rPr lang="en-US" altLang="ko-KR"/>
               <a:t/>
             </a:r>
-            <a:endParaRPr lang="ko-KR" altLang="en-US"/>
+            <a:endParaRPr lang="en-US" altLang="ko-KR"/>
           </a:p>
         </p:txBody>
       </p:sp>
@@ -6254,9 +6254,9 @@
                           <a:latin typeface="맑은 고딕"/>
                           <a:ea typeface="맑은 고딕"/>
                         </a:rPr>
-                        <a:t>Member/login_main.html</a:t>
-                      </a:r>
-                      <a:endParaRPr lang="ko-KR" altLang="en-US" sz="1000" b="0" i="0" kern="1200">
+                        <a:t>Category/Member/login_main.html</a:t>
+                      </a:r>
+                      <a:endParaRPr lang="en-US" altLang="ko-KR" sz="1000" b="0" i="0" kern="1200">
                         <a:solidFill>
                           <a:schemeClr val="tx1"/>
                         </a:solidFill>
@@ -6333,26 +6333,6 @@
                         <a:buNone/>
                         <a:defRPr/>
                       </a:pPr>
-                      <a:r>
-                        <a:rPr lang="ko-KR" altLang="en-US" sz="1000" b="0" i="0" kern="1200">
-                          <a:solidFill>
-                            <a:schemeClr val="tx1"/>
-                          </a:solidFill>
-                          <a:latin typeface="맑은 고딕"/>
-                          <a:ea typeface="맑은 고딕"/>
-                        </a:rPr>
-                        <a:t>메인페이지 </a:t>
-                      </a:r>
-                      <a:r>
-                        <a:rPr lang="en-US" altLang="ko-KR" sz="1000" b="0" i="0" kern="1200">
-                          <a:solidFill>
-                            <a:schemeClr val="tx1"/>
-                          </a:solidFill>
-                          <a:latin typeface="맑은 고딕"/>
-                          <a:ea typeface="맑은 고딕"/>
-                        </a:rPr>
-                        <a:t>&gt;</a:t>
-                      </a:r>
                       <a:r>
                         <a:rPr lang="ko-KR" altLang="en-US" sz="1000" b="0" i="0" kern="1200">
                           <a:solidFill>
@@ -6595,7 +6575,7 @@
         </p:nvGraphicFramePr>
         <p:xfrm>
           <a:off x="7775575" y="712470"/>
-          <a:ext cx="4319905" cy="5108364"/>
+          <a:ext cx="4319905" cy="5108363"/>
         </p:xfrm>
         <a:graphic>
           <a:graphicData uri="http://schemas.openxmlformats.org/drawingml/2006/table">
@@ -9701,7 +9681,7 @@
                           <a:latin typeface="맑은 고딕"/>
                           <a:ea typeface="맑은 고딕"/>
                         </a:rPr>
-                        <a:t>Member/find_id.html</a:t>
+                        <a:t>Category/Member/find_id.html</a:t>
                       </a:r>
                       <a:endParaRPr lang="ko-KR" altLang="en-US" sz="1000" b="0" i="0" kern="1200">
                         <a:solidFill>
@@ -9780,26 +9760,6 @@
                         <a:buNone/>
                         <a:defRPr/>
                       </a:pPr>
-                      <a:r>
-                        <a:rPr lang="ko-KR" altLang="en-US" sz="1000" b="0" i="0" kern="1200">
-                          <a:solidFill>
-                            <a:schemeClr val="tx1"/>
-                          </a:solidFill>
-                          <a:latin typeface="맑은 고딕"/>
-                          <a:ea typeface="맑은 고딕"/>
-                        </a:rPr>
-                        <a:t>메인페이지 </a:t>
-                      </a:r>
-                      <a:r>
-                        <a:rPr lang="en-US" altLang="ko-KR" sz="1000" b="0" i="0" kern="1200">
-                          <a:solidFill>
-                            <a:schemeClr val="tx1"/>
-                          </a:solidFill>
-                          <a:latin typeface="맑은 고딕"/>
-                          <a:ea typeface="맑은 고딕"/>
-                        </a:rPr>
-                        <a:t>&gt;</a:t>
-                      </a:r>
                       <a:r>
                         <a:rPr lang="ko-KR" altLang="en-US" sz="1000" b="0" i="0" kern="1200">
                           <a:solidFill>
@@ -10062,7 +10022,7 @@
         </p:nvGraphicFramePr>
         <p:xfrm>
           <a:off x="7775575" y="712470"/>
-          <a:ext cx="4319905" cy="4413039"/>
+          <a:ext cx="4319905" cy="4413037"/>
         </p:xfrm>
         <a:graphic>
           <a:graphicData uri="http://schemas.openxmlformats.org/drawingml/2006/table">
@@ -12896,7 +12856,7 @@
                           <a:latin typeface="맑은 고딕"/>
                           <a:ea typeface="맑은 고딕"/>
                         </a:rPr>
-                        <a:t>Member/Seok/find_id2.html</a:t>
+                        <a:t>Category/Member/Seok/find_id2.html</a:t>
                       </a:r>
                       <a:endParaRPr lang="ko-KR" altLang="en-US" sz="1000" b="0" i="0" kern="1200">
                         <a:solidFill>
@@ -12976,24 +12936,14 @@
                         <a:defRPr/>
                       </a:pPr>
                       <a:r>
-                        <a:rPr lang="ko-KR" altLang="en-US" sz="1000" b="0" i="0" kern="1200">
+                        <a:rPr lang="en-US" altLang="ko-KR" sz="1000" b="0" i="0" kern="1200">
                           <a:solidFill>
                             <a:schemeClr val="tx1"/>
                           </a:solidFill>
                           <a:latin typeface="맑은 고딕"/>
                           <a:ea typeface="맑은 고딕"/>
                         </a:rPr>
-                        <a:t>메인페이지 </a:t>
-                      </a:r>
-                      <a:r>
-                        <a:rPr lang="en-US" altLang="ko-KR" sz="1000" b="0" i="0" kern="1200">
-                          <a:solidFill>
-                            <a:schemeClr val="tx1"/>
-                          </a:solidFill>
-                          <a:latin typeface="맑은 고딕"/>
-                          <a:ea typeface="맑은 고딕"/>
-                        </a:rPr>
-                        <a:t>&gt; </a:t>
+                        <a:t> </a:t>
                       </a:r>
                       <a:r>
                         <a:rPr lang="ko-KR" altLang="en-US" sz="1000" b="0" i="0" kern="1200">
@@ -13277,7 +13227,7 @@
         </p:nvGraphicFramePr>
         <p:xfrm>
           <a:off x="7775575" y="712470"/>
-          <a:ext cx="4319905" cy="2219536"/>
+          <a:ext cx="4319905" cy="2219535"/>
         </p:xfrm>
         <a:graphic>
           <a:graphicData uri="http://schemas.openxmlformats.org/drawingml/2006/table">
@@ -14992,7 +14942,7 @@
                           <a:latin typeface="맑은 고딕"/>
                           <a:ea typeface="맑은 고딕"/>
                         </a:rPr>
-                        <a:t>Member/find_pwd.html</a:t>
+                        <a:t>Category/Member/find_pwd.html</a:t>
                       </a:r>
                       <a:endParaRPr lang="ko-KR" altLang="en-US" sz="1000" b="0" i="0" kern="1200">
                         <a:solidFill>
@@ -15071,26 +15021,6 @@
                         <a:buNone/>
                         <a:defRPr/>
                       </a:pPr>
-                      <a:r>
-                        <a:rPr lang="ko-KR" altLang="en-US" sz="1000" b="0" i="0" kern="1200">
-                          <a:solidFill>
-                            <a:schemeClr val="tx1"/>
-                          </a:solidFill>
-                          <a:latin typeface="맑은 고딕"/>
-                          <a:ea typeface="맑은 고딕"/>
-                        </a:rPr>
-                        <a:t>메인페이지 </a:t>
-                      </a:r>
-                      <a:r>
-                        <a:rPr lang="en-US" altLang="ko-KR" sz="1000" b="0" i="0" kern="1200">
-                          <a:solidFill>
-                            <a:schemeClr val="tx1"/>
-                          </a:solidFill>
-                          <a:latin typeface="맑은 고딕"/>
-                          <a:ea typeface="맑은 고딕"/>
-                        </a:rPr>
-                        <a:t>&gt;</a:t>
-                      </a:r>
                       <a:r>
                         <a:rPr lang="ko-KR" altLang="en-US" sz="1000" b="0" i="0" kern="1200">
                           <a:solidFill>
@@ -15353,7 +15283,7 @@
         </p:nvGraphicFramePr>
         <p:xfrm>
           <a:off x="7775575" y="712470"/>
-          <a:ext cx="4312285" cy="2874645"/>
+          <a:ext cx="4312285" cy="2874644"/>
         </p:xfrm>
         <a:graphic>
           <a:graphicData uri="http://schemas.openxmlformats.org/drawingml/2006/table">
@@ -17274,7 +17204,7 @@
                           <a:latin typeface="맑은 고딕"/>
                           <a:ea typeface="맑은 고딕"/>
                         </a:rPr>
-                        <a:t>Member/find_pwd2.html</a:t>
+                        <a:t>Category/Member/find_pwd2.html</a:t>
                       </a:r>
                       <a:endParaRPr lang="ko-KR" altLang="en-US" sz="1000" b="0" i="0" kern="1200">
                         <a:solidFill>
@@ -17353,26 +17283,6 @@
                         <a:buNone/>
                         <a:defRPr/>
                       </a:pPr>
-                      <a:r>
-                        <a:rPr lang="ko-KR" altLang="en-US" sz="1000" b="0" i="0" kern="1200">
-                          <a:solidFill>
-                            <a:schemeClr val="tx1"/>
-                          </a:solidFill>
-                          <a:latin typeface="맑은 고딕"/>
-                          <a:ea typeface="맑은 고딕"/>
-                        </a:rPr>
-                        <a:t>메인페이지 </a:t>
-                      </a:r>
-                      <a:r>
-                        <a:rPr lang="en-US" altLang="ko-KR" sz="1000" b="0" i="0" kern="1200">
-                          <a:solidFill>
-                            <a:schemeClr val="tx1"/>
-                          </a:solidFill>
-                          <a:latin typeface="맑은 고딕"/>
-                          <a:ea typeface="맑은 고딕"/>
-                        </a:rPr>
-                        <a:t>&gt;</a:t>
-                      </a:r>
                       <a:r>
                         <a:rPr lang="ko-KR" altLang="en-US" sz="1000" b="0" i="0" kern="1200">
                           <a:solidFill>
@@ -17655,7 +17565,7 @@
         </p:nvGraphicFramePr>
         <p:xfrm>
           <a:off x="7775575" y="712470"/>
-          <a:ext cx="4319905" cy="3015615"/>
+          <a:ext cx="4319905" cy="3015614"/>
         </p:xfrm>
         <a:graphic>
           <a:graphicData uri="http://schemas.openxmlformats.org/drawingml/2006/table">
@@ -19669,7 +19579,7 @@
                           <a:latin typeface="맑은 고딕"/>
                           <a:ea typeface="맑은 고딕"/>
                         </a:rPr>
-                        <a:t>Member/reser_pwd.html</a:t>
+                        <a:t>Category/Member/reser_pwd.html</a:t>
                       </a:r>
                       <a:endParaRPr lang="ko-KR" altLang="en-US" sz="1000" b="0" i="0" kern="1200">
                         <a:solidFill>
@@ -19748,26 +19658,6 @@
                         <a:buNone/>
                         <a:defRPr/>
                       </a:pPr>
-                      <a:r>
-                        <a:rPr lang="ko-KR" altLang="en-US" sz="1000" b="0" i="0" kern="1200">
-                          <a:solidFill>
-                            <a:schemeClr val="tx1"/>
-                          </a:solidFill>
-                          <a:latin typeface="맑은 고딕"/>
-                          <a:ea typeface="맑은 고딕"/>
-                        </a:rPr>
-                        <a:t>메인페이지 </a:t>
-                      </a:r>
-                      <a:r>
-                        <a:rPr lang="en-US" altLang="ko-KR" sz="1000" b="0" i="0" kern="1200">
-                          <a:solidFill>
-                            <a:schemeClr val="tx1"/>
-                          </a:solidFill>
-                          <a:latin typeface="맑은 고딕"/>
-                          <a:ea typeface="맑은 고딕"/>
-                        </a:rPr>
-                        <a:t>&gt;</a:t>
-                      </a:r>
                       <a:r>
                         <a:rPr lang="ko-KR" altLang="en-US" sz="1000" b="0" i="0" kern="1200">
                           <a:solidFill>
@@ -20050,7 +19940,7 @@
         </p:nvGraphicFramePr>
         <p:xfrm>
           <a:off x="7775575" y="712470"/>
-          <a:ext cx="4319905" cy="3015615"/>
+          <a:ext cx="4319905" cy="3015614"/>
         </p:xfrm>
         <a:graphic>
           <a:graphicData uri="http://schemas.openxmlformats.org/drawingml/2006/table">
@@ -21964,7 +21854,7 @@
                           <a:latin typeface="맑은 고딕"/>
                           <a:ea typeface="맑은 고딕"/>
                         </a:rPr>
-                        <a:t>Member/membership_Withdrawal.html</a:t>
+                        <a:t>Category/Member/membership_Withdrawal.html</a:t>
                       </a:r>
                       <a:endParaRPr lang="ko-KR" altLang="en-US" sz="1000" b="0" i="0" kern="1200">
                         <a:solidFill>
@@ -22043,26 +21933,6 @@
                         <a:buNone/>
                         <a:defRPr/>
                       </a:pPr>
-                      <a:r>
-                        <a:rPr lang="ko-KR" altLang="en-US" sz="1000" b="0" i="0" kern="1200">
-                          <a:solidFill>
-                            <a:schemeClr val="tx1"/>
-                          </a:solidFill>
-                          <a:latin typeface="맑은 고딕"/>
-                          <a:ea typeface="맑은 고딕"/>
-                        </a:rPr>
-                        <a:t>메인페이지 </a:t>
-                      </a:r>
-                      <a:r>
-                        <a:rPr lang="en-US" altLang="ko-KR" sz="1000" b="0" i="0" kern="1200">
-                          <a:solidFill>
-                            <a:schemeClr val="tx1"/>
-                          </a:solidFill>
-                          <a:latin typeface="맑은 고딕"/>
-                          <a:ea typeface="맑은 고딕"/>
-                        </a:rPr>
-                        <a:t>&gt;</a:t>
-                      </a:r>
                       <a:r>
                         <a:rPr lang="ko-KR" altLang="en-US" sz="1000" b="0" i="0" kern="1200">
                           <a:solidFill>
@@ -22325,7 +22195,7 @@
         </p:nvGraphicFramePr>
         <p:xfrm>
           <a:off x="7775575" y="712470"/>
-          <a:ext cx="4319905" cy="3033607"/>
+          <a:ext cx="4319905" cy="3033606"/>
         </p:xfrm>
         <a:graphic>
           <a:graphicData uri="http://schemas.openxmlformats.org/drawingml/2006/table">
@@ -24190,7 +24060,7 @@
                           <a:latin typeface="맑은 고딕"/>
                           <a:ea typeface="맑은 고딕"/>
                         </a:rPr>
-                        <a:t>Member/membership_Withdrawal2.html</a:t>
+                        <a:t>Category/Member/membership_Withdrawal2.html</a:t>
                       </a:r>
                       <a:endParaRPr lang="ko-KR" altLang="en-US" sz="1000" b="0" i="0" kern="1200">
                         <a:solidFill>
@@ -24277,27 +24147,7 @@
                           <a:latin typeface="맑은 고딕"/>
                           <a:ea typeface="맑은 고딕"/>
                         </a:rPr>
-                        <a:t>메인페이지 </a:t>
-                      </a:r>
-                      <a:r>
-                        <a:rPr lang="en-US" altLang="ko-KR" sz="1000" b="0" i="0" kern="1200">
-                          <a:solidFill>
-                            <a:schemeClr val="tx1"/>
-                          </a:solidFill>
-                          <a:latin typeface="맑은 고딕"/>
-                          <a:ea typeface="맑은 고딕"/>
-                        </a:rPr>
-                        <a:t>&gt;</a:t>
-                      </a:r>
-                      <a:r>
-                        <a:rPr lang="ko-KR" altLang="en-US" sz="1000" b="0" i="0" kern="1200">
-                          <a:solidFill>
-                            <a:schemeClr val="tx1"/>
-                          </a:solidFill>
-                          <a:latin typeface="맑은 고딕"/>
-                          <a:ea typeface="맑은 고딕"/>
-                        </a:rPr>
-                        <a:t> 로그인 </a:t>
+                        <a:t>  로그인 </a:t>
                       </a:r>
                       <a:r>
                         <a:rPr lang="en-US" altLang="ko-KR" sz="1000" b="0" i="0" kern="1200">
@@ -24571,7 +24421,7 @@
         </p:nvGraphicFramePr>
         <p:xfrm>
           <a:off x="7775575" y="712470"/>
-          <a:ext cx="4319905" cy="3497156"/>
+          <a:ext cx="4319905" cy="3497155"/>
         </p:xfrm>
         <a:graphic>
           <a:graphicData uri="http://schemas.openxmlformats.org/drawingml/2006/table">
@@ -25613,7 +25463,7 @@
                         </a:rPr>
                         <a:t>팝업 안내</a:t>
                       </a:r>
-                      <a:endParaRPr lang="en-US" altLang="ko-KR" sz="900" b="0" i="0" strike="noStrike" kern="1200" cap="none">
+                      <a:endParaRPr lang="ko-KR" altLang="en-US" sz="900" b="0" i="0" strike="noStrike" kern="1200" cap="none">
                         <a:solidFill>
                           <a:schemeClr val="dk1"/>
                         </a:solidFill>
